--- a/Intel Unnati REPORT PPT.pptx
+++ b/Intel Unnati REPORT PPT.pptx
@@ -264,7 +264,7 @@
       </p15:sldGuideLst>
     </p:ext>
     <p:ext uri="GoogleSlidesCustomDataVersion2">
-      <go:slidesCustomData xmlns="" xmlns:mc="http://schemas.openxmlformats.org/markup-compatibility/2006" xmlns:mv="urn:schemas-microsoft-com:mac:vml" xmlns:c="http://schemas.openxmlformats.org/drawingml/2006/chart" xmlns:dgm="http://schemas.openxmlformats.org/drawingml/2006/diagram" xmlns:o="urn:schemas-microsoft-com:office:office" xmlns:v="urn:schemas-microsoft-com:vml" xmlns:pvml="urn:schemas-microsoft-com:office:powerpoint" xmlns:com="http://schemas.openxmlformats.org/drawingml/2006/compatibility" xmlns:p14="http://schemas.microsoft.com/office/powerpoint/2010/main" xmlns:p15="http://schemas.microsoft.com/office/powerpoint/2012/main" xmlns:ahyp="http://schemas.microsoft.com/office/drawing/2018/hyperlinkcolor" xmlns:go="http://customooxmlschemas.google.com/" r:id="rId14" roundtripDataSignature="AMtx7mh84uFgUALLzzO9/bXHINArNoYaWA=="/>
+      <go:slidesCustomData xmlns:go="http://customooxmlschemas.google.com/" xmlns:ahyp="http://schemas.microsoft.com/office/drawing/2018/hyperlinkcolor" xmlns:p15="http://schemas.microsoft.com/office/powerpoint/2012/main" xmlns:p14="http://schemas.microsoft.com/office/powerpoint/2010/main" xmlns:com="http://schemas.openxmlformats.org/drawingml/2006/compatibility" xmlns:pvml="urn:schemas-microsoft-com:office:powerpoint" xmlns:v="urn:schemas-microsoft-com:vml" xmlns:o="urn:schemas-microsoft-com:office:office" xmlns:dgm="http://schemas.openxmlformats.org/drawingml/2006/diagram" xmlns:c="http://schemas.openxmlformats.org/drawingml/2006/chart" xmlns:mv="urn:schemas-microsoft-com:mac:vml" xmlns:mc="http://schemas.openxmlformats.org/markup-compatibility/2006" xmlns="" r:id="rId14" roundtripDataSignature="AMtx7mh84uFgUALLzzO9/bXHINArNoYaWA=="/>
     </p:ext>
   </p:extLst>
 </p:presentation>
@@ -8366,7 +8366,7 @@
         <p:spPr>
           <a:xfrm>
             <a:off x="1020200" y="1133550"/>
-            <a:ext cx="7183800" cy="1692741"/>
+            <a:ext cx="7183800" cy="2646848"/>
           </a:xfrm>
           <a:prstGeom prst="rect">
             <a:avLst/>
@@ -8392,11 +8392,11 @@
               <a:buNone/>
             </a:pPr>
             <a:r>
-              <a:rPr lang="en-US" b="1" dirty="0"/>
+              <a:rPr lang="en-US" sz="2000" b="1" dirty="0"/>
               <a:t>MITHUN KUMAR B: </a:t>
             </a:r>
             <a:r>
-              <a:rPr lang="en-US" dirty="0"/>
+              <a:rPr lang="en-US" sz="2000" dirty="0"/>
               <a:t>Created the chatbot using transformers and executed query to get result from the model.</a:t>
             </a:r>
           </a:p>
@@ -8410,7 +8410,7 @@
               </a:spcAft>
               <a:buNone/>
             </a:pPr>
-            <a:endParaRPr dirty="0"/>
+            <a:endParaRPr sz="2000" dirty="0"/>
           </a:p>
           <a:p>
             <a:pPr marL="0" lvl="0" indent="0" algn="just" rtl="0">
@@ -8423,14 +8423,14 @@
               <a:buNone/>
             </a:pPr>
             <a:r>
-              <a:rPr lang="en-US" b="1" dirty="0"/>
+              <a:rPr lang="en-US" sz="2000" b="1" dirty="0"/>
               <a:t>JAYASURYA M:</a:t>
             </a:r>
             <a:r>
-              <a:rPr lang="en-US" dirty="0"/>
+              <a:rPr lang="en-US" sz="2000" dirty="0"/>
               <a:t> Finetuned the LLM llama-2 model using guanaco dataset.</a:t>
             </a:r>
-            <a:endParaRPr dirty="0"/>
+            <a:endParaRPr sz="2000" dirty="0"/>
           </a:p>
           <a:p>
             <a:pPr marL="0" lvl="0" indent="0" algn="just" rtl="0">
@@ -8442,7 +8442,7 @@
               </a:spcAft>
               <a:buNone/>
             </a:pPr>
-            <a:endParaRPr dirty="0"/>
+            <a:endParaRPr sz="2000" dirty="0"/>
           </a:p>
           <a:p>
             <a:pPr marL="0" lvl="0" indent="0" algn="just" rtl="0">
@@ -8455,14 +8455,14 @@
               <a:buNone/>
             </a:pPr>
             <a:r>
-              <a:rPr lang="en-US" b="1" dirty="0"/>
+              <a:rPr lang="en-US" sz="2000" b="1" dirty="0"/>
               <a:t>GOWTHAM S: </a:t>
             </a:r>
             <a:r>
-              <a:rPr lang="en-US" dirty="0"/>
+              <a:rPr lang="en-US" sz="2000" dirty="0"/>
               <a:t>Guanaco dataset is taken from hugging face and modified the dataset for the model.</a:t>
             </a:r>
-            <a:endParaRPr dirty="0"/>
+            <a:endParaRPr sz="2000" dirty="0"/>
           </a:p>
         </p:txBody>
       </p:sp>
